--- a/SDLC/SLDC_WATERFALL (1).pptx
+++ b/SDLC/SLDC_WATERFALL (1).pptx
@@ -7,13 +7,15 @@
   <p:sldIdLst>
     <p:sldId id="256" r:id="rId2"/>
     <p:sldId id="257" r:id="rId3"/>
-    <p:sldId id="258" r:id="rId4"/>
-    <p:sldId id="259" r:id="rId5"/>
-    <p:sldId id="260" r:id="rId6"/>
-    <p:sldId id="261" r:id="rId7"/>
-    <p:sldId id="262" r:id="rId8"/>
-    <p:sldId id="263" r:id="rId9"/>
-    <p:sldId id="264" r:id="rId10"/>
+    <p:sldId id="265" r:id="rId4"/>
+    <p:sldId id="266" r:id="rId5"/>
+    <p:sldId id="258" r:id="rId6"/>
+    <p:sldId id="259" r:id="rId7"/>
+    <p:sldId id="260" r:id="rId8"/>
+    <p:sldId id="261" r:id="rId9"/>
+    <p:sldId id="262" r:id="rId10"/>
+    <p:sldId id="263" r:id="rId11"/>
+    <p:sldId id="264" r:id="rId12"/>
   </p:sldIdLst>
   <p:sldSz cx="9144000" cy="6858000" type="screen4x3"/>
   <p:notesSz cx="6858000" cy="9144000"/>
@@ -747,7 +749,7 @@
             <a:fld id="{1D8BD707-D9CF-40AE-B4C6-C98DA3205C09}" type="datetimeFigureOut">
               <a:rPr lang="en-US" smtClean="0"/>
               <a:pPr/>
-              <a:t>1/18/2022</a:t>
+              <a:t>18-Jan-22</a:t>
             </a:fld>
             <a:endParaRPr lang="en-US"/>
           </a:p>
@@ -938,7 +940,7 @@
             <a:fld id="{1D8BD707-D9CF-40AE-B4C6-C98DA3205C09}" type="datetimeFigureOut">
               <a:rPr lang="en-US" smtClean="0"/>
               <a:pPr/>
-              <a:t>1/18/2022</a:t>
+              <a:t>18-Jan-22</a:t>
             </a:fld>
             <a:endParaRPr lang="en-US"/>
           </a:p>
@@ -1114,7 +1116,7 @@
             <a:fld id="{1D8BD707-D9CF-40AE-B4C6-C98DA3205C09}" type="datetimeFigureOut">
               <a:rPr lang="en-US" smtClean="0"/>
               <a:pPr/>
-              <a:t>1/18/2022</a:t>
+              <a:t>18-Jan-22</a:t>
             </a:fld>
             <a:endParaRPr lang="en-US"/>
           </a:p>
@@ -1258,7 +1260,7 @@
             <a:fld id="{1D8BD707-D9CF-40AE-B4C6-C98DA3205C09}" type="datetimeFigureOut">
               <a:rPr lang="en-US" smtClean="0"/>
               <a:pPr/>
-              <a:t>1/18/2022</a:t>
+              <a:t>18-Jan-22</a:t>
             </a:fld>
             <a:endParaRPr lang="en-US"/>
           </a:p>
@@ -1505,7 +1507,7 @@
             <a:fld id="{1D8BD707-D9CF-40AE-B4C6-C98DA3205C09}" type="datetimeFigureOut">
               <a:rPr lang="en-US" smtClean="0"/>
               <a:pPr/>
-              <a:t>1/18/2022</a:t>
+              <a:t>18-Jan-22</a:t>
             </a:fld>
             <a:endParaRPr lang="en-US"/>
           </a:p>
@@ -1906,7 +1908,7 @@
             <a:fld id="{1D8BD707-D9CF-40AE-B4C6-C98DA3205C09}" type="datetimeFigureOut">
               <a:rPr lang="en-US" smtClean="0"/>
               <a:pPr/>
-              <a:t>1/18/2022</a:t>
+              <a:t>18-Jan-22</a:t>
             </a:fld>
             <a:endParaRPr lang="en-US"/>
           </a:p>
@@ -2344,7 +2346,7 @@
             <a:fld id="{1D8BD707-D9CF-40AE-B4C6-C98DA3205C09}" type="datetimeFigureOut">
               <a:rPr lang="en-US" smtClean="0"/>
               <a:pPr/>
-              <a:t>1/18/2022</a:t>
+              <a:t>18-Jan-22</a:t>
             </a:fld>
             <a:endParaRPr lang="en-US"/>
           </a:p>
@@ -2441,7 +2443,7 @@
             <a:fld id="{1D8BD707-D9CF-40AE-B4C6-C98DA3205C09}" type="datetimeFigureOut">
               <a:rPr lang="en-US" smtClean="0"/>
               <a:pPr/>
-              <a:t>1/18/2022</a:t>
+              <a:t>18-Jan-22</a:t>
             </a:fld>
             <a:endParaRPr lang="en-US"/>
           </a:p>
@@ -2555,7 +2557,7 @@
             <a:fld id="{1D8BD707-D9CF-40AE-B4C6-C98DA3205C09}" type="datetimeFigureOut">
               <a:rPr lang="en-US" smtClean="0"/>
               <a:pPr/>
-              <a:t>1/18/2022</a:t>
+              <a:t>18-Jan-22</a:t>
             </a:fld>
             <a:endParaRPr lang="en-US"/>
           </a:p>
@@ -2824,7 +2826,7 @@
             <a:fld id="{1D8BD707-D9CF-40AE-B4C6-C98DA3205C09}" type="datetimeFigureOut">
               <a:rPr lang="en-US" smtClean="0"/>
               <a:pPr/>
-              <a:t>1/18/2022</a:t>
+              <a:t>18-Jan-22</a:t>
             </a:fld>
             <a:endParaRPr lang="en-US"/>
           </a:p>
@@ -3027,7 +3029,7 @@
             <a:fld id="{1D8BD707-D9CF-40AE-B4C6-C98DA3205C09}" type="datetimeFigureOut">
               <a:rPr lang="en-US" smtClean="0"/>
               <a:pPr/>
-              <a:t>1/18/2022</a:t>
+              <a:t>18-Jan-22</a:t>
             </a:fld>
             <a:endParaRPr lang="en-US"/>
           </a:p>
@@ -4115,7 +4117,7 @@
             <a:fld id="{1D8BD707-D9CF-40AE-B4C6-C98DA3205C09}" type="datetimeFigureOut">
               <a:rPr lang="en-US" smtClean="0"/>
               <a:pPr/>
-              <a:t>1/18/2022</a:t>
+              <a:t>18-Jan-22</a:t>
             </a:fld>
             <a:endParaRPr lang="en-US"/>
           </a:p>
@@ -4615,6 +4617,252 @@
 </p:sld>
 </file>
 
+<file path=ppt/slides/slide10.xml><?xml version="1.0" encoding="utf-8"?>
+<p:sld xmlns:a="http://schemas.openxmlformats.org/drawingml/2006/main" xmlns:r="http://schemas.openxmlformats.org/officeDocument/2006/relationships" xmlns:p="http://schemas.openxmlformats.org/presentationml/2006/main">
+  <p:cSld>
+    <p:spTree>
+      <p:nvGrpSpPr>
+        <p:cNvPr id="1" name=""/>
+        <p:cNvGrpSpPr/>
+        <p:nvPr/>
+      </p:nvGrpSpPr>
+      <p:grpSpPr>
+        <a:xfrm>
+          <a:off x="0" y="0"/>
+          <a:ext cx="0" cy="0"/>
+          <a:chOff x="0" y="0"/>
+          <a:chExt cx="0" cy="0"/>
+        </a:xfrm>
+      </p:grpSpPr>
+      <p:sp>
+        <p:nvSpPr>
+          <p:cNvPr id="2" name="Content Placeholder 1">
+            <a:extLst>
+              <a:ext uri="{FF2B5EF4-FFF2-40B4-BE49-F238E27FC236}">
+                <a16:creationId xmlns:a16="http://schemas.microsoft.com/office/drawing/2014/main" id="{86B991C2-0FE0-4647-B7CD-18B291CEF3E5}"/>
+              </a:ext>
+            </a:extLst>
+          </p:cNvPr>
+          <p:cNvSpPr>
+            <a:spLocks noGrp="1"/>
+          </p:cNvSpPr>
+          <p:nvPr>
+            <p:ph idx="1"/>
+          </p:nvPr>
+        </p:nvSpPr>
+        <p:spPr/>
+        <p:txBody>
+          <a:bodyPr/>
+          <a:lstStyle/>
+          <a:p>
+            <a:r>
+              <a:rPr lang="en-US" dirty="0"/>
+              <a:t>Verification: It involves a static analysis method (review) done without executing code.</a:t>
+            </a:r>
+          </a:p>
+          <a:p>
+            <a:r>
+              <a:rPr lang="en-US" dirty="0"/>
+              <a:t>It is the process of evaluation of the product development process to find whether specified requirements meet.</a:t>
+            </a:r>
+          </a:p>
+          <a:p>
+            <a:endParaRPr lang="en-IN" dirty="0"/>
+          </a:p>
+        </p:txBody>
+      </p:sp>
+      <p:sp>
+        <p:nvSpPr>
+          <p:cNvPr id="3" name="Title 2">
+            <a:extLst>
+              <a:ext uri="{FF2B5EF4-FFF2-40B4-BE49-F238E27FC236}">
+                <a16:creationId xmlns:a16="http://schemas.microsoft.com/office/drawing/2014/main" id="{195F274E-8E5C-4E4E-9314-B2ACEA192224}"/>
+              </a:ext>
+            </a:extLst>
+          </p:cNvPr>
+          <p:cNvSpPr>
+            <a:spLocks noGrp="1"/>
+          </p:cNvSpPr>
+          <p:nvPr>
+            <p:ph type="title"/>
+          </p:nvPr>
+        </p:nvSpPr>
+        <p:spPr/>
+        <p:txBody>
+          <a:bodyPr/>
+          <a:lstStyle/>
+          <a:p>
+            <a:r>
+              <a:rPr lang="en-US" dirty="0"/>
+              <a:t>V model</a:t>
+            </a:r>
+            <a:endParaRPr lang="en-IN" dirty="0"/>
+          </a:p>
+        </p:txBody>
+      </p:sp>
+      <p:sp>
+        <p:nvSpPr>
+          <p:cNvPr id="4" name="TextBox 3">
+            <a:extLst>
+              <a:ext uri="{FF2B5EF4-FFF2-40B4-BE49-F238E27FC236}">
+                <a16:creationId xmlns:a16="http://schemas.microsoft.com/office/drawing/2014/main" id="{AF58741E-FBF9-43E5-A77B-2A81C1F6E02E}"/>
+              </a:ext>
+            </a:extLst>
+          </p:cNvPr>
+          <p:cNvSpPr txBox="1"/>
+          <p:nvPr/>
+        </p:nvSpPr>
+        <p:spPr>
+          <a:xfrm>
+            <a:off x="4191000" y="5486400"/>
+            <a:ext cx="4343400" cy="369332"/>
+          </a:xfrm>
+          <a:prstGeom prst="rect">
+            <a:avLst/>
+          </a:prstGeom>
+          <a:noFill/>
+        </p:spPr>
+        <p:txBody>
+          <a:bodyPr wrap="square" rtlCol="0">
+            <a:spAutoFit/>
+          </a:bodyPr>
+          <a:lstStyle/>
+          <a:p>
+            <a:r>
+              <a:rPr lang="en-US" dirty="0"/>
+              <a:t>Presented by: Chintan </a:t>
+            </a:r>
+            <a:r>
+              <a:rPr lang="en-US" dirty="0" err="1"/>
+              <a:t>Mirajkar</a:t>
+            </a:r>
+            <a:endParaRPr lang="en-IN" dirty="0"/>
+          </a:p>
+        </p:txBody>
+      </p:sp>
+    </p:spTree>
+    <p:extLst>
+      <p:ext uri="{BB962C8B-B14F-4D97-AF65-F5344CB8AC3E}">
+        <p14:creationId xmlns:p14="http://schemas.microsoft.com/office/powerpoint/2010/main" val="3904517131"/>
+      </p:ext>
+    </p:extLst>
+  </p:cSld>
+  <p:clrMapOvr>
+    <a:masterClrMapping/>
+  </p:clrMapOvr>
+</p:sld>
+</file>
+
+<file path=ppt/slides/slide11.xml><?xml version="1.0" encoding="utf-8"?>
+<p:sld xmlns:a="http://schemas.openxmlformats.org/drawingml/2006/main" xmlns:r="http://schemas.openxmlformats.org/officeDocument/2006/relationships" xmlns:p="http://schemas.openxmlformats.org/presentationml/2006/main">
+  <p:cSld>
+    <p:spTree>
+      <p:nvGrpSpPr>
+        <p:cNvPr id="1" name=""/>
+        <p:cNvGrpSpPr/>
+        <p:nvPr/>
+      </p:nvGrpSpPr>
+      <p:grpSpPr>
+        <a:xfrm>
+          <a:off x="0" y="0"/>
+          <a:ext cx="0" cy="0"/>
+          <a:chOff x="0" y="0"/>
+          <a:chExt cx="0" cy="0"/>
+        </a:xfrm>
+      </p:grpSpPr>
+      <p:sp>
+        <p:nvSpPr>
+          <p:cNvPr id="2" name="Content Placeholder 1">
+            <a:extLst>
+              <a:ext uri="{FF2B5EF4-FFF2-40B4-BE49-F238E27FC236}">
+                <a16:creationId xmlns:a16="http://schemas.microsoft.com/office/drawing/2014/main" id="{4B08A3D7-E3C5-4306-AD5C-BB391326BD0B}"/>
+              </a:ext>
+            </a:extLst>
+          </p:cNvPr>
+          <p:cNvSpPr>
+            <a:spLocks noGrp="1"/>
+          </p:cNvSpPr>
+          <p:nvPr>
+            <p:ph idx="1"/>
+          </p:nvPr>
+        </p:nvSpPr>
+        <p:spPr>
+          <a:xfrm>
+            <a:off x="457200" y="381000"/>
+            <a:ext cx="8229600" cy="5626291"/>
+          </a:xfrm>
+        </p:spPr>
+        <p:txBody>
+          <a:bodyPr/>
+          <a:lstStyle/>
+          <a:p>
+            <a:r>
+              <a:rPr lang="en-US" dirty="0"/>
+              <a:t>Validation: It involves dynamic analysis method (functional, non-functional), testing is done by executing code.</a:t>
+            </a:r>
+          </a:p>
+          <a:p>
+            <a:r>
+              <a:rPr lang="en-US" dirty="0"/>
+              <a:t>Validation is the process to classify the software after the completion of the development process to determine whether the software meets the customer expectations and requirements.</a:t>
+            </a:r>
+            <a:endParaRPr lang="en-IN" dirty="0"/>
+          </a:p>
+        </p:txBody>
+      </p:sp>
+      <p:sp>
+        <p:nvSpPr>
+          <p:cNvPr id="3" name="TextBox 2">
+            <a:extLst>
+              <a:ext uri="{FF2B5EF4-FFF2-40B4-BE49-F238E27FC236}">
+                <a16:creationId xmlns:a16="http://schemas.microsoft.com/office/drawing/2014/main" id="{93D85A2F-9691-446E-83F3-96766F544B80}"/>
+              </a:ext>
+            </a:extLst>
+          </p:cNvPr>
+          <p:cNvSpPr txBox="1"/>
+          <p:nvPr/>
+        </p:nvSpPr>
+        <p:spPr>
+          <a:xfrm>
+            <a:off x="4572000" y="5181600"/>
+            <a:ext cx="3581400" cy="369332"/>
+          </a:xfrm>
+          <a:prstGeom prst="rect">
+            <a:avLst/>
+          </a:prstGeom>
+          <a:noFill/>
+        </p:spPr>
+        <p:txBody>
+          <a:bodyPr wrap="square" rtlCol="0">
+            <a:spAutoFit/>
+          </a:bodyPr>
+          <a:lstStyle/>
+          <a:p>
+            <a:r>
+              <a:rPr lang="en-US" dirty="0"/>
+              <a:t>Presented by: Prasad </a:t>
+            </a:r>
+            <a:r>
+              <a:rPr lang="en-US" dirty="0" err="1"/>
+              <a:t>Gajmal</a:t>
+            </a:r>
+            <a:endParaRPr lang="en-IN" dirty="0"/>
+          </a:p>
+        </p:txBody>
+      </p:sp>
+    </p:spTree>
+    <p:extLst>
+      <p:ext uri="{BB962C8B-B14F-4D97-AF65-F5344CB8AC3E}">
+        <p14:creationId xmlns:p14="http://schemas.microsoft.com/office/powerpoint/2010/main" val="936110341"/>
+      </p:ext>
+    </p:extLst>
+  </p:cSld>
+  <p:clrMapOvr>
+    <a:masterClrMapping/>
+  </p:clrMapOvr>
+</p:sld>
+</file>
+
 <file path=ppt/slides/slide2.xml><?xml version="1.0" encoding="utf-8"?>
 <p:sld xmlns:a="http://schemas.openxmlformats.org/drawingml/2006/main" xmlns:r="http://schemas.openxmlformats.org/officeDocument/2006/relationships" xmlns:p="http://schemas.openxmlformats.org/presentationml/2006/main">
   <p:cSld>
@@ -4752,7 +5000,13 @@
       </p:grpSpPr>
       <p:sp>
         <p:nvSpPr>
-          <p:cNvPr id="2" name="Content Placeholder 1"/>
+          <p:cNvPr id="2" name="Content Placeholder 1">
+            <a:extLst>
+              <a:ext uri="{FF2B5EF4-FFF2-40B4-BE49-F238E27FC236}">
+                <a16:creationId xmlns:a16="http://schemas.microsoft.com/office/drawing/2014/main" id="{75A54D44-911F-4097-8851-256367D32F8A}"/>
+              </a:ext>
+            </a:extLst>
+          </p:cNvPr>
           <p:cNvSpPr>
             <a:spLocks noGrp="1"/>
           </p:cNvSpPr>
@@ -4761,128 +5015,170 @@
           </p:nvPr>
         </p:nvSpPr>
         <p:spPr/>
+        <p:txBody>
+          <a:bodyPr/>
+          <a:lstStyle/>
+          <a:p>
+            <a:r>
+              <a:rPr lang="en-US" b="0" i="0" dirty="0">
+                <a:effectLst/>
+                <a:latin typeface="Times New Roman" panose="02020603050405020304" pitchFamily="18" charset="0"/>
+                <a:cs typeface="Times New Roman" panose="02020603050405020304" pitchFamily="18" charset="0"/>
+              </a:rPr>
+              <a:t>SDLC </a:t>
+            </a:r>
+            <a:r>
+              <a:rPr lang="en-US" b="1" i="0" dirty="0">
+                <a:effectLst/>
+                <a:latin typeface="Times New Roman" panose="02020603050405020304" pitchFamily="18" charset="0"/>
+                <a:cs typeface="Times New Roman" panose="02020603050405020304" pitchFamily="18" charset="0"/>
+              </a:rPr>
+              <a:t>allows developers to analyze the requirements</a:t>
+            </a:r>
+            <a:r>
+              <a:rPr lang="en-US" b="0" i="0" dirty="0">
+                <a:effectLst/>
+                <a:latin typeface="Times New Roman" panose="02020603050405020304" pitchFamily="18" charset="0"/>
+                <a:cs typeface="Times New Roman" panose="02020603050405020304" pitchFamily="18" charset="0"/>
+              </a:rPr>
+              <a:t>. </a:t>
+            </a:r>
+          </a:p>
+          <a:p>
+            <a:r>
+              <a:rPr lang="en-US" b="0" i="0" dirty="0">
+                <a:effectLst/>
+                <a:latin typeface="Times New Roman" panose="02020603050405020304" pitchFamily="18" charset="0"/>
+                <a:cs typeface="Times New Roman" panose="02020603050405020304" pitchFamily="18" charset="0"/>
+              </a:rPr>
+              <a:t> work in defined customers timeframe.</a:t>
+            </a:r>
+          </a:p>
+          <a:p>
+            <a:r>
+              <a:rPr lang="en-US" b="0" i="0" dirty="0">
+                <a:effectLst/>
+                <a:latin typeface="Times New Roman" panose="02020603050405020304" pitchFamily="18" charset="0"/>
+                <a:cs typeface="Times New Roman" panose="02020603050405020304" pitchFamily="18" charset="0"/>
+              </a:rPr>
+              <a:t>It helps in reducing unnecessary costs during development. ... It enables developers to design and build high-quality software products. </a:t>
+            </a:r>
+          </a:p>
+          <a:p>
+            <a:r>
+              <a:rPr lang="en-US" b="0" i="0" dirty="0">
+                <a:effectLst/>
+                <a:latin typeface="Times New Roman" panose="02020603050405020304" pitchFamily="18" charset="0"/>
+                <a:cs typeface="Times New Roman" panose="02020603050405020304" pitchFamily="18" charset="0"/>
+              </a:rPr>
+              <a:t>This is because they follow a systematic process that allows them to test the software before it is rolled out.</a:t>
+            </a:r>
+          </a:p>
+        </p:txBody>
+      </p:sp>
+      <p:sp>
+        <p:nvSpPr>
+          <p:cNvPr id="3" name="Title 2">
+            <a:extLst>
+              <a:ext uri="{FF2B5EF4-FFF2-40B4-BE49-F238E27FC236}">
+                <a16:creationId xmlns:a16="http://schemas.microsoft.com/office/drawing/2014/main" id="{402873A0-3ECE-47CA-9A74-8CB5DC23A231}"/>
+              </a:ext>
+            </a:extLst>
+          </p:cNvPr>
+          <p:cNvSpPr>
+            <a:spLocks noGrp="1"/>
+          </p:cNvSpPr>
+          <p:nvPr>
+            <p:ph type="title"/>
+          </p:nvPr>
+        </p:nvSpPr>
+        <p:spPr>
+          <a:xfrm>
+            <a:off x="457200" y="274638"/>
+            <a:ext cx="8229600" cy="1401762"/>
+          </a:xfrm>
+        </p:spPr>
         <p:txBody>
           <a:bodyPr>
             <a:normAutofit/>
           </a:bodyPr>
           <a:lstStyle/>
           <a:p>
-            <a:pPr marL="624078" indent="-514350">
-              <a:buAutoNum type="arabicParenR"/>
-            </a:pPr>
-            <a:r>
-              <a:rPr lang="en-US" dirty="0">
-                <a:latin typeface="Times New Roman" pitchFamily="18" charset="0"/>
-                <a:cs typeface="Times New Roman" pitchFamily="18" charset="0"/>
-              </a:rPr>
-              <a:t>Waterfall :</a:t>
-            </a:r>
-          </a:p>
-          <a:p>
-            <a:pPr marL="624078" indent="-514350">
-              <a:buAutoNum type="arabicParenR"/>
-            </a:pPr>
-            <a:r>
-              <a:rPr lang="en-US" dirty="0">
-                <a:latin typeface="Times New Roman" pitchFamily="18" charset="0"/>
-                <a:cs typeface="Times New Roman" pitchFamily="18" charset="0"/>
-              </a:rPr>
-              <a:t>V model :</a:t>
-            </a:r>
-          </a:p>
-          <a:p>
-            <a:pPr marL="624078" indent="-514350">
-              <a:buAutoNum type="arabicParenR"/>
-            </a:pPr>
-            <a:r>
-              <a:rPr lang="en-US" dirty="0">
-                <a:latin typeface="Times New Roman" pitchFamily="18" charset="0"/>
-                <a:cs typeface="Times New Roman" pitchFamily="18" charset="0"/>
-              </a:rPr>
-              <a:t>Spiral :</a:t>
-            </a:r>
-          </a:p>
-          <a:p>
-            <a:pPr marL="624078" indent="-514350">
-              <a:buAutoNum type="arabicParenR"/>
-            </a:pPr>
-            <a:r>
-              <a:rPr lang="en-US" dirty="0">
-                <a:latin typeface="Times New Roman" pitchFamily="18" charset="0"/>
-                <a:cs typeface="Times New Roman" pitchFamily="18" charset="0"/>
-              </a:rPr>
-              <a:t>Agile :</a:t>
-            </a:r>
-          </a:p>
-          <a:p>
-            <a:pPr marL="624078" indent="-514350">
-              <a:buAutoNum type="arabicParenR"/>
-            </a:pPr>
-            <a:r>
-              <a:rPr lang="en-US" dirty="0">
-                <a:latin typeface="Times New Roman" pitchFamily="18" charset="0"/>
-                <a:cs typeface="Times New Roman" pitchFamily="18" charset="0"/>
-              </a:rPr>
-              <a:t>Scrum :</a:t>
-            </a:r>
-          </a:p>
-          <a:p>
-            <a:pPr marL="624078" indent="-514350">
-              <a:buAutoNum type="arabicParenR"/>
-            </a:pPr>
-            <a:r>
-              <a:rPr lang="en-US" dirty="0">
-                <a:latin typeface="Times New Roman" pitchFamily="18" charset="0"/>
-                <a:cs typeface="Times New Roman" pitchFamily="18" charset="0"/>
-              </a:rPr>
-              <a:t>Iterative :</a:t>
-            </a:r>
-          </a:p>
-          <a:p>
-            <a:pPr marL="624078" indent="-514350">
-              <a:buAutoNum type="arabicParenR"/>
-            </a:pPr>
-            <a:endParaRPr lang="en-US" dirty="0">
-              <a:latin typeface="Times New Roman" pitchFamily="18" charset="0"/>
-              <a:cs typeface="Times New Roman" pitchFamily="18" charset="0"/>
-            </a:endParaRPr>
-          </a:p>
-        </p:txBody>
-      </p:sp>
-      <p:sp>
-        <p:nvSpPr>
-          <p:cNvPr id="3" name="Title 2"/>
-          <p:cNvSpPr>
-            <a:spLocks noGrp="1"/>
-          </p:cNvSpPr>
-          <p:nvPr>
-            <p:ph type="title"/>
-          </p:nvPr>
-        </p:nvSpPr>
-        <p:spPr/>
-        <p:txBody>
-          <a:bodyPr/>
-          <a:lstStyle/>
-          <a:p>
             <a:r>
               <a:rPr lang="en-US" dirty="0">
                 <a:solidFill>
-                  <a:srgbClr val="FF0000"/>
+                  <a:schemeClr val="accent2"/>
                 </a:solidFill>
-                <a:latin typeface="Times New Roman" pitchFamily="18" charset="0"/>
-                <a:cs typeface="Times New Roman" pitchFamily="18" charset="0"/>
+                <a:effectLst>
+                  <a:outerShdw blurRad="38100" dist="38100" dir="2700000" algn="tl">
+                    <a:srgbClr val="000000">
+                      <a:alpha val="43137"/>
+                    </a:srgbClr>
+                  </a:outerShdw>
+                </a:effectLst>
+                <a:latin typeface="Times New Roman" panose="02020603050405020304" pitchFamily="18" charset="0"/>
+                <a:cs typeface="Times New Roman" panose="02020603050405020304" pitchFamily="18" charset="0"/>
               </a:rPr>
-              <a:t>Types of SDLC Methodologies:-</a:t>
-            </a:r>
-            <a:endParaRPr lang="en-US" dirty="0">
-              <a:solidFill>
-                <a:srgbClr val="FF0000"/>
-              </a:solidFill>
-            </a:endParaRPr>
+              <a:t>Importance of SDLC </a:t>
+            </a:r>
+            <a:r>
+              <a:rPr lang="en-US" dirty="0">
+                <a:solidFill>
+                  <a:schemeClr val="accent2"/>
+                </a:solidFill>
+                <a:effectLst/>
+                <a:latin typeface="Arial Black" panose="020B0A04020102020204" pitchFamily="34" charset="0"/>
+              </a:rPr>
+              <a:t>:</a:t>
+            </a:r>
+            <a:br>
+              <a:rPr lang="en-US" dirty="0"/>
+            </a:br>
+            <a:endParaRPr lang="en-US" dirty="0"/>
+          </a:p>
+        </p:txBody>
+      </p:sp>
+      <p:sp>
+        <p:nvSpPr>
+          <p:cNvPr id="4" name="TextBox 3">
+            <a:extLst>
+              <a:ext uri="{FF2B5EF4-FFF2-40B4-BE49-F238E27FC236}">
+                <a16:creationId xmlns:a16="http://schemas.microsoft.com/office/drawing/2014/main" id="{268DA942-E423-4035-AB99-7AED40C35D23}"/>
+              </a:ext>
+            </a:extLst>
+          </p:cNvPr>
+          <p:cNvSpPr txBox="1"/>
+          <p:nvPr/>
+        </p:nvSpPr>
+        <p:spPr>
+          <a:xfrm>
+            <a:off x="6400800" y="5822625"/>
+            <a:ext cx="3810000" cy="369332"/>
+          </a:xfrm>
+          <a:prstGeom prst="rect">
+            <a:avLst/>
+          </a:prstGeom>
+          <a:noFill/>
+        </p:spPr>
+        <p:txBody>
+          <a:bodyPr wrap="square" rtlCol="0">
+            <a:spAutoFit/>
+          </a:bodyPr>
+          <a:lstStyle/>
+          <a:p>
+            <a:r>
+              <a:rPr lang="en-US" dirty="0"/>
+              <a:t>Prathamesh Todkar</a:t>
+            </a:r>
           </a:p>
         </p:txBody>
       </p:sp>
     </p:spTree>
+    <p:extLst>
+      <p:ext uri="{BB962C8B-B14F-4D97-AF65-F5344CB8AC3E}">
+        <p14:creationId xmlns:p14="http://schemas.microsoft.com/office/powerpoint/2010/main" val="2821945395"/>
+      </p:ext>
+    </p:extLst>
   </p:cSld>
   <p:clrMapOvr>
     <a:masterClrMapping/>
@@ -4909,7 +5205,13 @@
       </p:grpSpPr>
       <p:sp>
         <p:nvSpPr>
-          <p:cNvPr id="2" name="Content Placeholder 1"/>
+          <p:cNvPr id="2" name="Content Placeholder 1">
+            <a:extLst>
+              <a:ext uri="{FF2B5EF4-FFF2-40B4-BE49-F238E27FC236}">
+                <a16:creationId xmlns:a16="http://schemas.microsoft.com/office/drawing/2014/main" id="{411FF230-5995-45FB-AF57-DDE229A7C81C}"/>
+              </a:ext>
+            </a:extLst>
+          </p:cNvPr>
           <p:cNvSpPr>
             <a:spLocks noGrp="1"/>
           </p:cNvSpPr>
@@ -4922,34 +5224,94 @@
           <a:bodyPr/>
           <a:lstStyle/>
           <a:p>
+            <a:pPr marL="681228" indent="-571500">
+              <a:buFont typeface="+mj-lt"/>
+              <a:buAutoNum type="romanUcPeriod"/>
+            </a:pPr>
             <a:r>
               <a:rPr lang="en-US" dirty="0">
-                <a:latin typeface="Times New Roman" pitchFamily="18" charset="0"/>
-                <a:cs typeface="Times New Roman" pitchFamily="18" charset="0"/>
+                <a:latin typeface="Times New Roman" panose="02020603050405020304" pitchFamily="18" charset="0"/>
+                <a:cs typeface="Times New Roman" panose="02020603050405020304" pitchFamily="18" charset="0"/>
               </a:rPr>
-              <a:t>According to the Waterfall method, the software development process goes through all the SDLC phases with no overlapping and consists of a single development cycle.</a:t>
-            </a:r>
-          </a:p>
-          <a:p>
-            <a:endParaRPr lang="en-US" dirty="0">
-              <a:latin typeface="Times New Roman" pitchFamily="18" charset="0"/>
-              <a:cs typeface="Times New Roman" pitchFamily="18" charset="0"/>
-            </a:endParaRPr>
-          </a:p>
-          <a:p>
+              <a:t>Planning</a:t>
+            </a:r>
+          </a:p>
+          <a:p>
+            <a:pPr marL="681228" indent="-571500">
+              <a:buFont typeface="+mj-lt"/>
+              <a:buAutoNum type="romanUcPeriod"/>
+            </a:pPr>
             <a:r>
               <a:rPr lang="en-US" dirty="0">
-                <a:latin typeface="Times New Roman" pitchFamily="18" charset="0"/>
-                <a:cs typeface="Times New Roman" pitchFamily="18" charset="0"/>
+                <a:latin typeface="Times New Roman" panose="02020603050405020304" pitchFamily="18" charset="0"/>
+                <a:cs typeface="Times New Roman" panose="02020603050405020304" pitchFamily="18" charset="0"/>
               </a:rPr>
-              <a:t> According to the fact that it is a linear-sequential life cycle model, any phase in the development process can begin only if the previous one is complete. </a:t>
-            </a:r>
-          </a:p>
-        </p:txBody>
-      </p:sp>
-      <p:sp>
-        <p:nvSpPr>
-          <p:cNvPr id="3" name="Title 2"/>
+              <a:t>Analysis</a:t>
+            </a:r>
+          </a:p>
+          <a:p>
+            <a:pPr marL="681228" indent="-571500">
+              <a:buFont typeface="+mj-lt"/>
+              <a:buAutoNum type="romanUcPeriod"/>
+            </a:pPr>
+            <a:r>
+              <a:rPr lang="en-US" dirty="0">
+                <a:latin typeface="Times New Roman" panose="02020603050405020304" pitchFamily="18" charset="0"/>
+                <a:cs typeface="Times New Roman" panose="02020603050405020304" pitchFamily="18" charset="0"/>
+              </a:rPr>
+              <a:t>Designing</a:t>
+            </a:r>
+          </a:p>
+          <a:p>
+            <a:pPr marL="681228" indent="-571500">
+              <a:buFont typeface="+mj-lt"/>
+              <a:buAutoNum type="romanUcPeriod"/>
+            </a:pPr>
+            <a:r>
+              <a:rPr lang="en-US" dirty="0">
+                <a:latin typeface="Times New Roman" panose="02020603050405020304" pitchFamily="18" charset="0"/>
+                <a:cs typeface="Times New Roman" panose="02020603050405020304" pitchFamily="18" charset="0"/>
+              </a:rPr>
+              <a:t>Coding</a:t>
+            </a:r>
+          </a:p>
+          <a:p>
+            <a:pPr marL="681228" indent="-571500">
+              <a:buFont typeface="+mj-lt"/>
+              <a:buAutoNum type="romanUcPeriod"/>
+            </a:pPr>
+            <a:r>
+              <a:rPr lang="en-US" dirty="0">
+                <a:latin typeface="Times New Roman" panose="02020603050405020304" pitchFamily="18" charset="0"/>
+                <a:cs typeface="Times New Roman" panose="02020603050405020304" pitchFamily="18" charset="0"/>
+              </a:rPr>
+              <a:t>Testing</a:t>
+            </a:r>
+          </a:p>
+          <a:p>
+            <a:pPr marL="681228" indent="-571500">
+              <a:buFont typeface="+mj-lt"/>
+              <a:buAutoNum type="romanUcPeriod"/>
+            </a:pPr>
+            <a:r>
+              <a:rPr lang="en-US" dirty="0">
+                <a:latin typeface="Times New Roman" panose="02020603050405020304" pitchFamily="18" charset="0"/>
+                <a:cs typeface="Times New Roman" panose="02020603050405020304" pitchFamily="18" charset="0"/>
+              </a:rPr>
+              <a:t>Deploy/Maintenance</a:t>
+            </a:r>
+          </a:p>
+        </p:txBody>
+      </p:sp>
+      <p:sp>
+        <p:nvSpPr>
+          <p:cNvPr id="3" name="Title 2">
+            <a:extLst>
+              <a:ext uri="{FF2B5EF4-FFF2-40B4-BE49-F238E27FC236}">
+                <a16:creationId xmlns:a16="http://schemas.microsoft.com/office/drawing/2014/main" id="{B970EE20-B9A2-43B5-BBF5-9C09C9D8DCF3}"/>
+              </a:ext>
+            </a:extLst>
+          </p:cNvPr>
           <p:cNvSpPr>
             <a:spLocks noGrp="1"/>
           </p:cNvSpPr>
@@ -4962,21 +5324,65 @@
           <a:bodyPr/>
           <a:lstStyle/>
           <a:p>
-            <a:pPr algn="ctr"/>
             <a:r>
               <a:rPr lang="en-US" dirty="0">
                 <a:solidFill>
-                  <a:srgbClr val="FF0000"/>
+                  <a:schemeClr val="accent2"/>
                 </a:solidFill>
-                <a:latin typeface="Times New Roman" pitchFamily="18" charset="0"/>
-                <a:cs typeface="Times New Roman" pitchFamily="18" charset="0"/>
+                <a:latin typeface="Times New Roman" panose="02020603050405020304" pitchFamily="18" charset="0"/>
+                <a:cs typeface="Times New Roman" panose="02020603050405020304" pitchFamily="18" charset="0"/>
               </a:rPr>
-              <a:t>Waterfall</a:t>
-            </a:r>
+              <a:t>SDLC Phases:</a:t>
+            </a:r>
+          </a:p>
+        </p:txBody>
+      </p:sp>
+      <p:sp>
+        <p:nvSpPr>
+          <p:cNvPr id="4" name="TextBox 3">
+            <a:extLst>
+              <a:ext uri="{FF2B5EF4-FFF2-40B4-BE49-F238E27FC236}">
+                <a16:creationId xmlns:a16="http://schemas.microsoft.com/office/drawing/2014/main" id="{238C4787-9800-40B7-A301-B2F254841169}"/>
+              </a:ext>
+            </a:extLst>
+          </p:cNvPr>
+          <p:cNvSpPr txBox="1"/>
+          <p:nvPr/>
+        </p:nvSpPr>
+        <p:spPr>
+          <a:xfrm>
+            <a:off x="6781800" y="6007291"/>
+            <a:ext cx="2249184" cy="369332"/>
+          </a:xfrm>
+          <a:prstGeom prst="rect">
+            <a:avLst/>
+          </a:prstGeom>
+          <a:noFill/>
+        </p:spPr>
+        <p:txBody>
+          <a:bodyPr wrap="square" rtlCol="0">
+            <a:spAutoFit/>
+          </a:bodyPr>
+          <a:lstStyle/>
+          <a:p>
+            <a:r>
+              <a:rPr lang="en-US" dirty="0"/>
+              <a:t>Ketan </a:t>
+            </a:r>
+            <a:r>
+              <a:rPr lang="en-US" dirty="0" err="1"/>
+              <a:t>Gorgile</a:t>
+            </a:r>
+            <a:endParaRPr lang="en-US" dirty="0"/>
           </a:p>
         </p:txBody>
       </p:sp>
     </p:spTree>
+    <p:extLst>
+      <p:ext uri="{BB962C8B-B14F-4D97-AF65-F5344CB8AC3E}">
+        <p14:creationId xmlns:p14="http://schemas.microsoft.com/office/powerpoint/2010/main" val="3668758962"/>
+      </p:ext>
+    </p:extLst>
   </p:cSld>
   <p:clrMapOvr>
     <a:masterClrMapping/>
@@ -5001,29 +5407,105 @@
           <a:chExt cx="0" cy="0"/>
         </a:xfrm>
       </p:grpSpPr>
-      <p:pic>
-        <p:nvPicPr>
-          <p:cNvPr id="4" name="Content Placeholder 3" descr="11.png"/>
-          <p:cNvPicPr>
-            <a:picLocks noGrp="1" noChangeAspect="1"/>
-          </p:cNvPicPr>
+      <p:sp>
+        <p:nvSpPr>
+          <p:cNvPr id="2" name="Content Placeholder 1"/>
+          <p:cNvSpPr>
+            <a:spLocks noGrp="1"/>
+          </p:cNvSpPr>
           <p:nvPr>
             <p:ph idx="1"/>
           </p:nvPr>
-        </p:nvPicPr>
-        <p:blipFill>
-          <a:blip r:embed="rId2" cstate="print"/>
-          <a:stretch>
-            <a:fillRect/>
-          </a:stretch>
-        </p:blipFill>
-        <p:spPr>
-          <a:xfrm>
-            <a:off x="0" y="1066800"/>
-            <a:ext cx="9144000" cy="5791200"/>
-          </a:xfrm>
-        </p:spPr>
-      </p:pic>
+        </p:nvSpPr>
+        <p:spPr/>
+        <p:txBody>
+          <a:bodyPr>
+            <a:normAutofit/>
+          </a:bodyPr>
+          <a:lstStyle/>
+          <a:p>
+            <a:pPr marL="624078" indent="-514350">
+              <a:buAutoNum type="arabicParenR"/>
+            </a:pPr>
+            <a:r>
+              <a:rPr lang="en-US" dirty="0">
+                <a:latin typeface="Times New Roman" pitchFamily="18" charset="0"/>
+                <a:cs typeface="Times New Roman" pitchFamily="18" charset="0"/>
+              </a:rPr>
+              <a:t>Waterfall :</a:t>
+            </a:r>
+          </a:p>
+          <a:p>
+            <a:pPr marL="624078" indent="-514350">
+              <a:buAutoNum type="arabicParenR"/>
+            </a:pPr>
+            <a:r>
+              <a:rPr lang="en-US" dirty="0">
+                <a:latin typeface="Times New Roman" pitchFamily="18" charset="0"/>
+                <a:cs typeface="Times New Roman" pitchFamily="18" charset="0"/>
+              </a:rPr>
+              <a:t>V model :</a:t>
+            </a:r>
+          </a:p>
+          <a:p>
+            <a:pPr marL="624078" indent="-514350">
+              <a:buAutoNum type="arabicParenR"/>
+            </a:pPr>
+            <a:r>
+              <a:rPr lang="en-US" dirty="0">
+                <a:latin typeface="Times New Roman" pitchFamily="18" charset="0"/>
+                <a:cs typeface="Times New Roman" pitchFamily="18" charset="0"/>
+              </a:rPr>
+              <a:t>Spiral :</a:t>
+            </a:r>
+          </a:p>
+          <a:p>
+            <a:pPr marL="624078" indent="-514350">
+              <a:buAutoNum type="arabicParenR"/>
+            </a:pPr>
+            <a:r>
+              <a:rPr lang="en-US" dirty="0">
+                <a:latin typeface="Times New Roman" pitchFamily="18" charset="0"/>
+                <a:cs typeface="Times New Roman" pitchFamily="18" charset="0"/>
+              </a:rPr>
+              <a:t>Agile :</a:t>
+            </a:r>
+          </a:p>
+          <a:p>
+            <a:pPr marL="624078" indent="-514350">
+              <a:buAutoNum type="arabicParenR"/>
+            </a:pPr>
+            <a:r>
+              <a:rPr lang="en-US" dirty="0">
+                <a:latin typeface="Times New Roman" pitchFamily="18" charset="0"/>
+                <a:cs typeface="Times New Roman" pitchFamily="18" charset="0"/>
+              </a:rPr>
+              <a:t>Scrum :</a:t>
+            </a:r>
+          </a:p>
+          <a:p>
+            <a:pPr marL="624078" indent="-514350">
+              <a:buAutoNum type="arabicParenR"/>
+            </a:pPr>
+            <a:r>
+              <a:rPr lang="en-US" dirty="0">
+                <a:latin typeface="Times New Roman" pitchFamily="18" charset="0"/>
+                <a:cs typeface="Times New Roman" pitchFamily="18" charset="0"/>
+              </a:rPr>
+              <a:t>Iterative :</a:t>
+            </a:r>
+          </a:p>
+          <a:p>
+            <a:pPr marL="624078" indent="-514350">
+              <a:buAutoNum type="arabicParenR"/>
+            </a:pPr>
+            <a:endParaRPr lang="en-US" dirty="0">
+              <a:latin typeface="Times New Roman" pitchFamily="18" charset="0"/>
+              <a:cs typeface="Times New Roman" pitchFamily="18" charset="0"/>
+            </a:endParaRPr>
+          </a:p>
+        </p:txBody>
+      </p:sp>
       <p:sp>
         <p:nvSpPr>
           <p:cNvPr id="3" name="Title 2"/>
@@ -5034,12 +5516,7 @@
             <p:ph type="title"/>
           </p:nvPr>
         </p:nvSpPr>
-        <p:spPr>
-          <a:xfrm>
-            <a:off x="457200" y="274638"/>
-            <a:ext cx="8229600" cy="792162"/>
-          </a:xfrm>
-        </p:spPr>
+        <p:spPr/>
         <p:txBody>
           <a:bodyPr/>
           <a:lstStyle/>
@@ -5052,8 +5529,13 @@
                 <a:latin typeface="Times New Roman" pitchFamily="18" charset="0"/>
                 <a:cs typeface="Times New Roman" pitchFamily="18" charset="0"/>
               </a:rPr>
-              <a:t>FLOWCHART : -</a:t>
-            </a:r>
+              <a:t>Types of SDLC Methodologies:-</a:t>
+            </a:r>
+            <a:endParaRPr lang="en-US" dirty="0">
+              <a:solidFill>
+                <a:srgbClr val="FF0000"/>
+              </a:solidFill>
+            </a:endParaRPr>
           </a:p>
         </p:txBody>
       </p:sp>
@@ -5102,8 +5584,14 @@
                 <a:latin typeface="Times New Roman" pitchFamily="18" charset="0"/>
                 <a:cs typeface="Times New Roman" pitchFamily="18" charset="0"/>
               </a:rPr>
-              <a:t>A waterfall model is easy to implementation.</a:t>
-            </a:r>
+              <a:t>According to the Waterfall method, the software development process goes through all the SDLC phases with no overlapping and consists of a single development cycle.</a:t>
+            </a:r>
+          </a:p>
+          <a:p>
+            <a:endParaRPr lang="en-US" dirty="0">
+              <a:latin typeface="Times New Roman" pitchFamily="18" charset="0"/>
+              <a:cs typeface="Times New Roman" pitchFamily="18" charset="0"/>
+            </a:endParaRPr>
           </a:p>
           <a:p>
             <a:r>
@@ -5111,52 +5599,7 @@
                 <a:latin typeface="Times New Roman" pitchFamily="18" charset="0"/>
                 <a:cs typeface="Times New Roman" pitchFamily="18" charset="0"/>
               </a:rPr>
-              <a:t>It helps to find errors earlier.</a:t>
-            </a:r>
-          </a:p>
-          <a:p>
-            <a:r>
-              <a:rPr lang="en-US" dirty="0">
-                <a:latin typeface="Times New Roman" pitchFamily="18" charset="0"/>
-                <a:cs typeface="Times New Roman" pitchFamily="18" charset="0"/>
-              </a:rPr>
-              <a:t>Easy to understand and use.</a:t>
-            </a:r>
-          </a:p>
-          <a:p>
-            <a:r>
-              <a:rPr lang="en-US" dirty="0">
-                <a:latin typeface="Times New Roman" pitchFamily="18" charset="0"/>
-                <a:cs typeface="Times New Roman" pitchFamily="18" charset="0"/>
-              </a:rPr>
-              <a:t>Works well when quality is most important than cost or schedule.</a:t>
-            </a:r>
-          </a:p>
-          <a:p>
-            <a:r>
-              <a:rPr lang="en-US" dirty="0">
-                <a:latin typeface="Times New Roman" pitchFamily="18" charset="0"/>
-                <a:cs typeface="Times New Roman" pitchFamily="18" charset="0"/>
-              </a:rPr>
-              <a:t>Documentation is produced at every stage of waterfall model allowing people to understand what has been done.</a:t>
-            </a:r>
-          </a:p>
-          <a:p>
-            <a:r>
-              <a:rPr lang="en-US" dirty="0">
-                <a:latin typeface="Times New Roman" pitchFamily="18" charset="0"/>
-                <a:cs typeface="Times New Roman" pitchFamily="18" charset="0"/>
-              </a:rPr>
-              <a:t>Testing is done at every stage.</a:t>
-            </a:r>
-          </a:p>
-          <a:p>
-            <a:r>
-              <a:rPr lang="en-US" dirty="0">
-                <a:latin typeface="Times New Roman" pitchFamily="18" charset="0"/>
-                <a:cs typeface="Times New Roman" pitchFamily="18" charset="0"/>
-              </a:rPr>
-              <a:t>Phases doesn’t overlap. </a:t>
+              <a:t> According to the fact that it is a linear-sequential life cycle model, any phase in the development process can begin only if the previous one is complete. </a:t>
             </a:r>
           </a:p>
         </p:txBody>
@@ -5176,6 +5619,7 @@
           <a:bodyPr/>
           <a:lstStyle/>
           <a:p>
+            <a:pPr algn="ctr"/>
             <a:r>
               <a:rPr lang="en-US" dirty="0">
                 <a:solidFill>
@@ -5184,7 +5628,7 @@
                 <a:latin typeface="Times New Roman" pitchFamily="18" charset="0"/>
                 <a:cs typeface="Times New Roman" pitchFamily="18" charset="0"/>
               </a:rPr>
-              <a:t>ADVANTAGES :-</a:t>
+              <a:t>Waterfall</a:t>
             </a:r>
           </a:p>
         </p:txBody>
@@ -5214,92 +5658,29 @@
           <a:chExt cx="0" cy="0"/>
         </a:xfrm>
       </p:grpSpPr>
-      <p:sp>
-        <p:nvSpPr>
-          <p:cNvPr id="2" name="Content Placeholder 1"/>
-          <p:cNvSpPr>
-            <a:spLocks noGrp="1"/>
-          </p:cNvSpPr>
+      <p:pic>
+        <p:nvPicPr>
+          <p:cNvPr id="4" name="Content Placeholder 3" descr="11.png"/>
+          <p:cNvPicPr>
+            <a:picLocks noGrp="1" noChangeAspect="1"/>
+          </p:cNvPicPr>
           <p:nvPr>
             <p:ph idx="1"/>
           </p:nvPr>
-        </p:nvSpPr>
+        </p:nvPicPr>
+        <p:blipFill>
+          <a:blip r:embed="rId2" cstate="print"/>
+          <a:stretch>
+            <a:fillRect/>
+          </a:stretch>
+        </p:blipFill>
         <p:spPr>
           <a:xfrm>
-            <a:off x="457200" y="1295400"/>
-            <a:ext cx="8229600" cy="5181600"/>
+            <a:off x="0" y="1066800"/>
+            <a:ext cx="9144000" cy="5791200"/>
           </a:xfrm>
         </p:spPr>
-        <p:txBody>
-          <a:bodyPr>
-            <a:normAutofit/>
-          </a:bodyPr>
-          <a:lstStyle/>
-          <a:p>
-            <a:r>
-              <a:rPr lang="en-US" dirty="0">
-                <a:latin typeface="Times New Roman" pitchFamily="18" charset="0"/>
-                <a:cs typeface="Times New Roman" pitchFamily="18" charset="0"/>
-              </a:rPr>
-              <a:t>It is only suitable for small size projects not useful for complex.</a:t>
-            </a:r>
-          </a:p>
-          <a:p>
-            <a:r>
-              <a:rPr lang="en-US" dirty="0">
-                <a:latin typeface="Times New Roman" pitchFamily="18" charset="0"/>
-                <a:cs typeface="Times New Roman" pitchFamily="18" charset="0"/>
-              </a:rPr>
-              <a:t>Constant testing of design is needed.</a:t>
-            </a:r>
-          </a:p>
-          <a:p>
-            <a:r>
-              <a:rPr lang="en-US" dirty="0">
-                <a:latin typeface="Times New Roman" pitchFamily="18" charset="0"/>
-                <a:cs typeface="Times New Roman" pitchFamily="18" charset="0"/>
-              </a:rPr>
-              <a:t>If requirements may change the waterfall model may not work.</a:t>
-            </a:r>
-          </a:p>
-          <a:p>
-            <a:r>
-              <a:rPr lang="en-US" dirty="0">
-                <a:latin typeface="Times New Roman" pitchFamily="18" charset="0"/>
-                <a:cs typeface="Times New Roman" pitchFamily="18" charset="0"/>
-              </a:rPr>
-              <a:t>Difficult to estimate time and cost for each stage of the development process.</a:t>
-            </a:r>
-          </a:p>
-          <a:p>
-            <a:r>
-              <a:rPr lang="en-US" dirty="0">
-                <a:latin typeface="Times New Roman" pitchFamily="18" charset="0"/>
-                <a:cs typeface="Times New Roman" pitchFamily="18" charset="0"/>
-              </a:rPr>
-              <a:t>Adjust scope during the life cycle can kill a project.</a:t>
-            </a:r>
-          </a:p>
-          <a:p>
-            <a:r>
-              <a:rPr lang="en-US" dirty="0">
-                <a:latin typeface="Times New Roman" pitchFamily="18" charset="0"/>
-                <a:cs typeface="Times New Roman" pitchFamily="18" charset="0"/>
-              </a:rPr>
-              <a:t>High amount of risk and uncertainty.</a:t>
-            </a:r>
-          </a:p>
-          <a:p>
-            <a:r>
-              <a:rPr lang="en-US" dirty="0">
-                <a:latin typeface="Times New Roman" pitchFamily="18" charset="0"/>
-                <a:cs typeface="Times New Roman" pitchFamily="18" charset="0"/>
-              </a:rPr>
-              <a:t>The model is not suitable to handle dynamic changes in the requirements.</a:t>
-            </a:r>
-          </a:p>
-        </p:txBody>
-      </p:sp>
+      </p:pic>
       <p:sp>
         <p:nvSpPr>
           <p:cNvPr id="3" name="Title 2"/>
@@ -5310,7 +5691,12 @@
             <p:ph type="title"/>
           </p:nvPr>
         </p:nvSpPr>
-        <p:spPr/>
+        <p:spPr>
+          <a:xfrm>
+            <a:off x="457200" y="274638"/>
+            <a:ext cx="8229600" cy="792162"/>
+          </a:xfrm>
+        </p:spPr>
         <p:txBody>
           <a:bodyPr/>
           <a:lstStyle/>
@@ -5323,9 +5709,8 @@
                 <a:latin typeface="Times New Roman" pitchFamily="18" charset="0"/>
                 <a:cs typeface="Times New Roman" pitchFamily="18" charset="0"/>
               </a:rPr>
-              <a:t>DISADVANTAGES :-</a:t>
-            </a:r>
-            <a:endParaRPr lang="en-US" dirty="0"/>
+              <a:t>FLOWCHART : -</a:t>
+            </a:r>
           </a:p>
         </p:txBody>
       </p:sp>
@@ -5356,13 +5741,7 @@
       </p:grpSpPr>
       <p:sp>
         <p:nvSpPr>
-          <p:cNvPr id="2" name="Content Placeholder 1">
-            <a:extLst>
-              <a:ext uri="{FF2B5EF4-FFF2-40B4-BE49-F238E27FC236}">
-                <a16:creationId xmlns:a16="http://schemas.microsoft.com/office/drawing/2014/main" id="{86B991C2-0FE0-4647-B7CD-18B291CEF3E5}"/>
-              </a:ext>
-            </a:extLst>
-          </p:cNvPr>
+          <p:cNvPr id="2" name="Content Placeholder 1"/>
           <p:cNvSpPr>
             <a:spLocks noGrp="1"/>
           </p:cNvSpPr>
@@ -5376,30 +5755,72 @@
           <a:lstStyle/>
           <a:p>
             <a:r>
-              <a:rPr lang="en-US" dirty="0"/>
-              <a:t>Verification: It involves a static analysis method (review) done without executing code.</a:t>
-            </a:r>
-          </a:p>
-          <a:p>
-            <a:r>
-              <a:rPr lang="en-US" dirty="0"/>
-              <a:t>It is the process of evaluation of the product development process to find whether specified requirements meet.</a:t>
-            </a:r>
-          </a:p>
-          <a:p>
-            <a:endParaRPr lang="en-IN" dirty="0"/>
-          </a:p>
-        </p:txBody>
-      </p:sp>
-      <p:sp>
-        <p:nvSpPr>
-          <p:cNvPr id="3" name="Title 2">
-            <a:extLst>
-              <a:ext uri="{FF2B5EF4-FFF2-40B4-BE49-F238E27FC236}">
-                <a16:creationId xmlns:a16="http://schemas.microsoft.com/office/drawing/2014/main" id="{195F274E-8E5C-4E4E-9314-B2ACEA192224}"/>
-              </a:ext>
-            </a:extLst>
-          </p:cNvPr>
+              <a:rPr lang="en-US" dirty="0">
+                <a:latin typeface="Times New Roman" pitchFamily="18" charset="0"/>
+                <a:cs typeface="Times New Roman" pitchFamily="18" charset="0"/>
+              </a:rPr>
+              <a:t>A waterfall model is easy to implementation.</a:t>
+            </a:r>
+          </a:p>
+          <a:p>
+            <a:r>
+              <a:rPr lang="en-US" dirty="0">
+                <a:latin typeface="Times New Roman" pitchFamily="18" charset="0"/>
+                <a:cs typeface="Times New Roman" pitchFamily="18" charset="0"/>
+              </a:rPr>
+              <a:t>It helps to find errors earlier.</a:t>
+            </a:r>
+          </a:p>
+          <a:p>
+            <a:r>
+              <a:rPr lang="en-US" dirty="0">
+                <a:latin typeface="Times New Roman" pitchFamily="18" charset="0"/>
+                <a:cs typeface="Times New Roman" pitchFamily="18" charset="0"/>
+              </a:rPr>
+              <a:t>Easy to understand and use.</a:t>
+            </a:r>
+          </a:p>
+          <a:p>
+            <a:r>
+              <a:rPr lang="en-US" dirty="0">
+                <a:latin typeface="Times New Roman" pitchFamily="18" charset="0"/>
+                <a:cs typeface="Times New Roman" pitchFamily="18" charset="0"/>
+              </a:rPr>
+              <a:t>Works well when quality is most important than cost or schedule.</a:t>
+            </a:r>
+          </a:p>
+          <a:p>
+            <a:r>
+              <a:rPr lang="en-US" dirty="0">
+                <a:latin typeface="Times New Roman" pitchFamily="18" charset="0"/>
+                <a:cs typeface="Times New Roman" pitchFamily="18" charset="0"/>
+              </a:rPr>
+              <a:t>Documentation is produced at every stage of waterfall model allowing people to understand what has been done.</a:t>
+            </a:r>
+          </a:p>
+          <a:p>
+            <a:r>
+              <a:rPr lang="en-US" dirty="0">
+                <a:latin typeface="Times New Roman" pitchFamily="18" charset="0"/>
+                <a:cs typeface="Times New Roman" pitchFamily="18" charset="0"/>
+              </a:rPr>
+              <a:t>Testing is done at every stage.</a:t>
+            </a:r>
+          </a:p>
+          <a:p>
+            <a:r>
+              <a:rPr lang="en-US" dirty="0">
+                <a:latin typeface="Times New Roman" pitchFamily="18" charset="0"/>
+                <a:cs typeface="Times New Roman" pitchFamily="18" charset="0"/>
+              </a:rPr>
+              <a:t>Phases doesn’t overlap. </a:t>
+            </a:r>
+          </a:p>
+        </p:txBody>
+      </p:sp>
+      <p:sp>
+        <p:nvSpPr>
+          <p:cNvPr id="3" name="Title 2"/>
           <p:cNvSpPr>
             <a:spLocks noGrp="1"/>
           </p:cNvSpPr>
@@ -5413,59 +5834,19 @@
           <a:lstStyle/>
           <a:p>
             <a:r>
-              <a:rPr lang="en-US" dirty="0"/>
-              <a:t>V model</a:t>
-            </a:r>
-            <a:endParaRPr lang="en-IN" dirty="0"/>
-          </a:p>
-        </p:txBody>
-      </p:sp>
-      <p:sp>
-        <p:nvSpPr>
-          <p:cNvPr id="4" name="TextBox 3">
-            <a:extLst>
-              <a:ext uri="{FF2B5EF4-FFF2-40B4-BE49-F238E27FC236}">
-                <a16:creationId xmlns:a16="http://schemas.microsoft.com/office/drawing/2014/main" id="{AF58741E-FBF9-43E5-A77B-2A81C1F6E02E}"/>
-              </a:ext>
-            </a:extLst>
-          </p:cNvPr>
-          <p:cNvSpPr txBox="1"/>
-          <p:nvPr/>
-        </p:nvSpPr>
-        <p:spPr>
-          <a:xfrm>
-            <a:off x="4191000" y="5486400"/>
-            <a:ext cx="4343400" cy="369332"/>
-          </a:xfrm>
-          <a:prstGeom prst="rect">
-            <a:avLst/>
-          </a:prstGeom>
-          <a:noFill/>
-        </p:spPr>
-        <p:txBody>
-          <a:bodyPr wrap="square" rtlCol="0">
-            <a:spAutoFit/>
-          </a:bodyPr>
-          <a:lstStyle/>
-          <a:p>
-            <a:r>
-              <a:rPr lang="en-US" dirty="0"/>
-              <a:t>Presented by: Chintan </a:t>
-            </a:r>
-            <a:r>
-              <a:rPr lang="en-US" dirty="0" err="1"/>
-              <a:t>Mirajkar</a:t>
-            </a:r>
-            <a:endParaRPr lang="en-IN" dirty="0"/>
+              <a:rPr lang="en-US" dirty="0">
+                <a:solidFill>
+                  <a:srgbClr val="FF0000"/>
+                </a:solidFill>
+                <a:latin typeface="Times New Roman" pitchFamily="18" charset="0"/>
+                <a:cs typeface="Times New Roman" pitchFamily="18" charset="0"/>
+              </a:rPr>
+              <a:t>ADVANTAGES :-</a:t>
+            </a:r>
           </a:p>
         </p:txBody>
       </p:sp>
     </p:spTree>
-    <p:extLst>
-      <p:ext uri="{BB962C8B-B14F-4D97-AF65-F5344CB8AC3E}">
-        <p14:creationId xmlns:p14="http://schemas.microsoft.com/office/powerpoint/2010/main" val="3904517131"/>
-      </p:ext>
-    </p:extLst>
   </p:cSld>
   <p:clrMapOvr>
     <a:masterClrMapping/>
@@ -5492,13 +5873,7 @@
       </p:grpSpPr>
       <p:sp>
         <p:nvSpPr>
-          <p:cNvPr id="2" name="Content Placeholder 1">
-            <a:extLst>
-              <a:ext uri="{FF2B5EF4-FFF2-40B4-BE49-F238E27FC236}">
-                <a16:creationId xmlns:a16="http://schemas.microsoft.com/office/drawing/2014/main" id="{4B08A3D7-E3C5-4306-AD5C-BB391326BD0B}"/>
-              </a:ext>
-            </a:extLst>
-          </p:cNvPr>
+          <p:cNvPr id="2" name="Content Placeholder 1"/>
           <p:cNvSpPr>
             <a:spLocks noGrp="1"/>
           </p:cNvSpPr>
@@ -5508,74 +5883,110 @@
         </p:nvSpPr>
         <p:spPr>
           <a:xfrm>
-            <a:off x="457200" y="381000"/>
-            <a:ext cx="8229600" cy="5626291"/>
+            <a:off x="457200" y="1295400"/>
+            <a:ext cx="8229600" cy="5181600"/>
           </a:xfrm>
         </p:spPr>
         <p:txBody>
+          <a:bodyPr>
+            <a:normAutofit/>
+          </a:bodyPr>
+          <a:lstStyle/>
+          <a:p>
+            <a:r>
+              <a:rPr lang="en-US" dirty="0">
+                <a:latin typeface="Times New Roman" pitchFamily="18" charset="0"/>
+                <a:cs typeface="Times New Roman" pitchFamily="18" charset="0"/>
+              </a:rPr>
+              <a:t>It is only suitable for small size projects not useful for complex.</a:t>
+            </a:r>
+          </a:p>
+          <a:p>
+            <a:r>
+              <a:rPr lang="en-US" dirty="0">
+                <a:latin typeface="Times New Roman" pitchFamily="18" charset="0"/>
+                <a:cs typeface="Times New Roman" pitchFamily="18" charset="0"/>
+              </a:rPr>
+              <a:t>Constant testing of design is needed.</a:t>
+            </a:r>
+          </a:p>
+          <a:p>
+            <a:r>
+              <a:rPr lang="en-US" dirty="0">
+                <a:latin typeface="Times New Roman" pitchFamily="18" charset="0"/>
+                <a:cs typeface="Times New Roman" pitchFamily="18" charset="0"/>
+              </a:rPr>
+              <a:t>If requirements may change the waterfall model may not work.</a:t>
+            </a:r>
+          </a:p>
+          <a:p>
+            <a:r>
+              <a:rPr lang="en-US" dirty="0">
+                <a:latin typeface="Times New Roman" pitchFamily="18" charset="0"/>
+                <a:cs typeface="Times New Roman" pitchFamily="18" charset="0"/>
+              </a:rPr>
+              <a:t>Difficult to estimate time and cost for each stage of the development process.</a:t>
+            </a:r>
+          </a:p>
+          <a:p>
+            <a:r>
+              <a:rPr lang="en-US" dirty="0">
+                <a:latin typeface="Times New Roman" pitchFamily="18" charset="0"/>
+                <a:cs typeface="Times New Roman" pitchFamily="18" charset="0"/>
+              </a:rPr>
+              <a:t>Adjust scope during the life cycle can kill a project.</a:t>
+            </a:r>
+          </a:p>
+          <a:p>
+            <a:r>
+              <a:rPr lang="en-US" dirty="0">
+                <a:latin typeface="Times New Roman" pitchFamily="18" charset="0"/>
+                <a:cs typeface="Times New Roman" pitchFamily="18" charset="0"/>
+              </a:rPr>
+              <a:t>High amount of risk and uncertainty.</a:t>
+            </a:r>
+          </a:p>
+          <a:p>
+            <a:r>
+              <a:rPr lang="en-US" dirty="0">
+                <a:latin typeface="Times New Roman" pitchFamily="18" charset="0"/>
+                <a:cs typeface="Times New Roman" pitchFamily="18" charset="0"/>
+              </a:rPr>
+              <a:t>The model is not suitable to handle dynamic changes in the requirements.</a:t>
+            </a:r>
+          </a:p>
+        </p:txBody>
+      </p:sp>
+      <p:sp>
+        <p:nvSpPr>
+          <p:cNvPr id="3" name="Title 2"/>
+          <p:cNvSpPr>
+            <a:spLocks noGrp="1"/>
+          </p:cNvSpPr>
+          <p:nvPr>
+            <p:ph type="title"/>
+          </p:nvPr>
+        </p:nvSpPr>
+        <p:spPr/>
+        <p:txBody>
           <a:bodyPr/>
           <a:lstStyle/>
           <a:p>
             <a:r>
-              <a:rPr lang="en-US" dirty="0"/>
-              <a:t>Validation: It involves dynamic analysis method (functional, non-functional), testing is done by executing code.</a:t>
-            </a:r>
-          </a:p>
-          <a:p>
-            <a:r>
-              <a:rPr lang="en-US" dirty="0"/>
-              <a:t>Validation is the process to classify the software after the completion of the development process to determine whether the software meets the customer expectations and requirements.</a:t>
-            </a:r>
-            <a:endParaRPr lang="en-IN" dirty="0"/>
-          </a:p>
-        </p:txBody>
-      </p:sp>
-      <p:sp>
-        <p:nvSpPr>
-          <p:cNvPr id="3" name="TextBox 2">
-            <a:extLst>
-              <a:ext uri="{FF2B5EF4-FFF2-40B4-BE49-F238E27FC236}">
-                <a16:creationId xmlns:a16="http://schemas.microsoft.com/office/drawing/2014/main" id="{93D85A2F-9691-446E-83F3-96766F544B80}"/>
-              </a:ext>
-            </a:extLst>
-          </p:cNvPr>
-          <p:cNvSpPr txBox="1"/>
-          <p:nvPr/>
-        </p:nvSpPr>
-        <p:spPr>
-          <a:xfrm>
-            <a:off x="4572000" y="5181600"/>
-            <a:ext cx="3581400" cy="369332"/>
-          </a:xfrm>
-          <a:prstGeom prst="rect">
-            <a:avLst/>
-          </a:prstGeom>
-          <a:noFill/>
-        </p:spPr>
-        <p:txBody>
-          <a:bodyPr wrap="square" rtlCol="0">
-            <a:spAutoFit/>
-          </a:bodyPr>
-          <a:lstStyle/>
-          <a:p>
-            <a:r>
-              <a:rPr lang="en-US" dirty="0"/>
-              <a:t>Presented by: Prasad </a:t>
-            </a:r>
-            <a:r>
-              <a:rPr lang="en-US" dirty="0" err="1"/>
-              <a:t>Gajmal</a:t>
-            </a:r>
-            <a:endParaRPr lang="en-IN" dirty="0"/>
+              <a:rPr lang="en-US" dirty="0">
+                <a:solidFill>
+                  <a:srgbClr val="FF0000"/>
+                </a:solidFill>
+                <a:latin typeface="Times New Roman" pitchFamily="18" charset="0"/>
+                <a:cs typeface="Times New Roman" pitchFamily="18" charset="0"/>
+              </a:rPr>
+              <a:t>DISADVANTAGES :-</a:t>
+            </a:r>
+            <a:endParaRPr lang="en-US" dirty="0"/>
           </a:p>
         </p:txBody>
       </p:sp>
     </p:spTree>
-    <p:extLst>
-      <p:ext uri="{BB962C8B-B14F-4D97-AF65-F5344CB8AC3E}">
-        <p14:creationId xmlns:p14="http://schemas.microsoft.com/office/powerpoint/2010/main" val="936110341"/>
-      </p:ext>
-    </p:extLst>
   </p:cSld>
   <p:clrMapOvr>
     <a:masterClrMapping/>
